--- a/prezentace/BP_prezentace.pptx
+++ b/prezentace/BP_prezentace.pptx
@@ -258,7 +258,7 @@
           <a:p>
             <a:fld id="{AC71B652-1057-46F3-ADB0-02ADCA82FBFB}" type="datetimeFigureOut">
               <a:rPr lang="cs-CZ" smtClean="0"/>
-              <a:t>14.05.2018</a:t>
+              <a:t>09.06.2018</a:t>
             </a:fld>
             <a:endParaRPr lang="cs-CZ"/>
           </a:p>
@@ -428,7 +428,7 @@
           <a:p>
             <a:fld id="{AC71B652-1057-46F3-ADB0-02ADCA82FBFB}" type="datetimeFigureOut">
               <a:rPr lang="cs-CZ" smtClean="0"/>
-              <a:t>14.05.2018</a:t>
+              <a:t>09.06.2018</a:t>
             </a:fld>
             <a:endParaRPr lang="cs-CZ"/>
           </a:p>
@@ -608,7 +608,7 @@
           <a:p>
             <a:fld id="{AC71B652-1057-46F3-ADB0-02ADCA82FBFB}" type="datetimeFigureOut">
               <a:rPr lang="cs-CZ" smtClean="0"/>
-              <a:t>14.05.2018</a:t>
+              <a:t>09.06.2018</a:t>
             </a:fld>
             <a:endParaRPr lang="cs-CZ"/>
           </a:p>
@@ -778,7 +778,7 @@
           <a:p>
             <a:fld id="{AC71B652-1057-46F3-ADB0-02ADCA82FBFB}" type="datetimeFigureOut">
               <a:rPr lang="cs-CZ" smtClean="0"/>
-              <a:t>14.05.2018</a:t>
+              <a:t>09.06.2018</a:t>
             </a:fld>
             <a:endParaRPr lang="cs-CZ"/>
           </a:p>
@@ -1024,7 +1024,7 @@
           <a:p>
             <a:fld id="{AC71B652-1057-46F3-ADB0-02ADCA82FBFB}" type="datetimeFigureOut">
               <a:rPr lang="cs-CZ" smtClean="0"/>
-              <a:t>14.05.2018</a:t>
+              <a:t>09.06.2018</a:t>
             </a:fld>
             <a:endParaRPr lang="cs-CZ"/>
           </a:p>
@@ -1256,7 +1256,7 @@
           <a:p>
             <a:fld id="{AC71B652-1057-46F3-ADB0-02ADCA82FBFB}" type="datetimeFigureOut">
               <a:rPr lang="cs-CZ" smtClean="0"/>
-              <a:t>14.05.2018</a:t>
+              <a:t>09.06.2018</a:t>
             </a:fld>
             <a:endParaRPr lang="cs-CZ"/>
           </a:p>
@@ -1623,7 +1623,7 @@
           <a:p>
             <a:fld id="{AC71B652-1057-46F3-ADB0-02ADCA82FBFB}" type="datetimeFigureOut">
               <a:rPr lang="cs-CZ" smtClean="0"/>
-              <a:t>14.05.2018</a:t>
+              <a:t>09.06.2018</a:t>
             </a:fld>
             <a:endParaRPr lang="cs-CZ"/>
           </a:p>
@@ -1741,7 +1741,7 @@
           <a:p>
             <a:fld id="{AC71B652-1057-46F3-ADB0-02ADCA82FBFB}" type="datetimeFigureOut">
               <a:rPr lang="cs-CZ" smtClean="0"/>
-              <a:t>14.05.2018</a:t>
+              <a:t>09.06.2018</a:t>
             </a:fld>
             <a:endParaRPr lang="cs-CZ"/>
           </a:p>
@@ -1836,7 +1836,7 @@
           <a:p>
             <a:fld id="{AC71B652-1057-46F3-ADB0-02ADCA82FBFB}" type="datetimeFigureOut">
               <a:rPr lang="cs-CZ" smtClean="0"/>
-              <a:t>14.05.2018</a:t>
+              <a:t>09.06.2018</a:t>
             </a:fld>
             <a:endParaRPr lang="cs-CZ"/>
           </a:p>
@@ -2113,7 +2113,7 @@
           <a:p>
             <a:fld id="{AC71B652-1057-46F3-ADB0-02ADCA82FBFB}" type="datetimeFigureOut">
               <a:rPr lang="cs-CZ" smtClean="0"/>
-              <a:t>14.05.2018</a:t>
+              <a:t>09.06.2018</a:t>
             </a:fld>
             <a:endParaRPr lang="cs-CZ"/>
           </a:p>
@@ -2370,7 +2370,7 @@
           <a:p>
             <a:fld id="{AC71B652-1057-46F3-ADB0-02ADCA82FBFB}" type="datetimeFigureOut">
               <a:rPr lang="cs-CZ" smtClean="0"/>
-              <a:t>14.05.2018</a:t>
+              <a:t>09.06.2018</a:t>
             </a:fld>
             <a:endParaRPr lang="cs-CZ"/>
           </a:p>
@@ -2583,7 +2583,7 @@
           <a:p>
             <a:fld id="{AC71B652-1057-46F3-ADB0-02ADCA82FBFB}" type="datetimeFigureOut">
               <a:rPr lang="cs-CZ" smtClean="0"/>
-              <a:t>14.05.2018</a:t>
+              <a:t>09.06.2018</a:t>
             </a:fld>
             <a:endParaRPr lang="cs-CZ"/>
           </a:p>
@@ -4085,7 +4085,7 @@
             </a:pPr>
             <a:r>
               <a:rPr lang="cs-CZ" dirty="0"/>
-              <a:t>Soubor 6 různých kurzů – předškoláci i prvňáčci</a:t>
+              <a:t>Soubor 6 kurzů – předškoláci i prvňáčci</a:t>
             </a:r>
           </a:p>
           <a:p>
@@ -4110,19 +4110,44 @@
               <a:t>Speciální pedagožka PaedDr. Jana Rodová</a:t>
             </a:r>
           </a:p>
-          <a:p>
-            <a:pPr>
-              <a:lnSpc>
-                <a:spcPct val="150000"/>
-              </a:lnSpc>
-            </a:pPr>
-            <a:r>
-              <a:rPr lang="cs-CZ" dirty="0"/>
-              <a:t>Moderní ověřené postupy a metody (v ČR relativně nové)</a:t>
-            </a:r>
-          </a:p>
-        </p:txBody>
-      </p:sp>
+        </p:txBody>
+      </p:sp>
+      <p:pic>
+        <p:nvPicPr>
+          <p:cNvPr id="4" name="Obrázek 3">
+            <a:extLst>
+              <a:ext uri="{FF2B5EF4-FFF2-40B4-BE49-F238E27FC236}">
+                <a16:creationId xmlns:a16="http://schemas.microsoft.com/office/drawing/2014/main" id="{7250EA25-A8E9-4423-9830-0F60EA397498}"/>
+              </a:ext>
+            </a:extLst>
+          </p:cNvPr>
+          <p:cNvPicPr>
+            <a:picLocks noChangeAspect="1"/>
+          </p:cNvPicPr>
+          <p:nvPr/>
+        </p:nvPicPr>
+        <p:blipFill>
+          <a:blip r:embed="rId2">
+            <a:extLst>
+              <a:ext uri="{28A0092B-C50C-407E-A947-70E740481C1C}">
+                <a14:useLocalDpi xmlns:a14="http://schemas.microsoft.com/office/drawing/2010/main" val="0"/>
+              </a:ext>
+            </a:extLst>
+          </a:blip>
+          <a:stretch>
+            <a:fillRect/>
+          </a:stretch>
+        </p:blipFill>
+        <p:spPr>
+          <a:xfrm>
+            <a:off x="10262911" y="457804"/>
+            <a:ext cx="1367821" cy="1367821"/>
+          </a:xfrm>
+          <a:prstGeom prst="rect">
+            <a:avLst/>
+          </a:prstGeom>
+        </p:spPr>
+      </p:pic>
     </p:spTree>
     <p:extLst>
       <p:ext uri="{BB962C8B-B14F-4D97-AF65-F5344CB8AC3E}">
@@ -4683,7 +4708,7 @@
             </a:pPr>
             <a:r>
               <a:rPr lang="cs-CZ" b="1" dirty="0"/>
-              <a:t>Server: </a:t>
+              <a:t>Server: 	</a:t>
             </a:r>
             <a:r>
               <a:rPr lang="cs-CZ" dirty="0"/>
@@ -4713,6 +4738,12 @@
               </a:lnSpc>
               <a:buNone/>
             </a:pPr>
+            <a:r>
+              <a:rPr lang="cs-CZ" dirty="0">
+                <a:sym typeface="Wingdings" panose="05000000000000000000" pitchFamily="2" charset="2"/>
+              </a:rPr>
+              <a:t>		 </a:t>
+            </a:r>
             <a:r>
               <a:rPr lang="en-US" dirty="0">
                 <a:sym typeface="Wingdings" panose="05000000000000000000" pitchFamily="2" charset="2"/>
@@ -4751,7 +4782,19 @@
               <a:rPr lang="en-US" dirty="0">
                 <a:sym typeface="Wingdings" panose="05000000000000000000" pitchFamily="2" charset="2"/>
               </a:rPr>
-              <a:t> JS </a:t>
+              <a:t> </a:t>
+            </a:r>
+            <a:r>
+              <a:rPr lang="cs-CZ" dirty="0">
+                <a:sym typeface="Wingdings" panose="05000000000000000000" pitchFamily="2" charset="2"/>
+              </a:rPr>
+              <a:t>	</a:t>
+            </a:r>
+            <a:r>
+              <a:rPr lang="en-US" dirty="0">
+                <a:sym typeface="Wingdings" panose="05000000000000000000" pitchFamily="2" charset="2"/>
+              </a:rPr>
+              <a:t>JS </a:t>
             </a:r>
             <a:r>
               <a:rPr lang="cs-CZ" dirty="0">
@@ -4824,6 +4867,12 @@
               </a:lnSpc>
               <a:buNone/>
             </a:pPr>
+            <a:r>
+              <a:rPr lang="cs-CZ" dirty="0">
+                <a:sym typeface="Wingdings" panose="05000000000000000000" pitchFamily="2" charset="2"/>
+              </a:rPr>
+              <a:t>		 </a:t>
+            </a:r>
             <a:r>
               <a:rPr lang="en-US" dirty="0">
                 <a:sym typeface="Wingdings" panose="05000000000000000000" pitchFamily="2" charset="2"/>
@@ -4875,6 +4924,12 @@
               <a:buNone/>
             </a:pPr>
             <a:r>
+              <a:rPr lang="cs-CZ" dirty="0">
+                <a:sym typeface="Wingdings" panose="05000000000000000000" pitchFamily="2" charset="2"/>
+              </a:rPr>
+              <a:t>		 </a:t>
+            </a:r>
+            <a:r>
               <a:rPr lang="en-US" dirty="0">
                 <a:sym typeface="Wingdings" panose="05000000000000000000" pitchFamily="2" charset="2"/>
               </a:rPr>
@@ -4918,7 +4973,19 @@
               <a:rPr lang="en-US" dirty="0">
                 <a:sym typeface="Wingdings" panose="05000000000000000000" pitchFamily="2" charset="2"/>
               </a:rPr>
-              <a:t> PostgreSQL</a:t>
+              <a:t> </a:t>
+            </a:r>
+            <a:r>
+              <a:rPr lang="cs-CZ" dirty="0">
+                <a:sym typeface="Wingdings" panose="05000000000000000000" pitchFamily="2" charset="2"/>
+              </a:rPr>
+              <a:t>		</a:t>
+            </a:r>
+            <a:r>
+              <a:rPr lang="en-US" dirty="0">
+                <a:sym typeface="Wingdings" panose="05000000000000000000" pitchFamily="2" charset="2"/>
+              </a:rPr>
+              <a:t>PostgreSQL</a:t>
             </a:r>
             <a:r>
               <a:rPr lang="cs-CZ" dirty="0">
@@ -4952,7 +5019,19 @@
               <a:rPr lang="en-US" dirty="0">
                 <a:sym typeface="Wingdings" panose="05000000000000000000" pitchFamily="2" charset="2"/>
               </a:rPr>
-              <a:t> PaaS Heroku</a:t>
+              <a:t> </a:t>
+            </a:r>
+            <a:r>
+              <a:rPr lang="cs-CZ" dirty="0">
+                <a:sym typeface="Wingdings" panose="05000000000000000000" pitchFamily="2" charset="2"/>
+              </a:rPr>
+              <a:t>	</a:t>
+            </a:r>
+            <a:r>
+              <a:rPr lang="en-US" dirty="0">
+                <a:sym typeface="Wingdings" panose="05000000000000000000" pitchFamily="2" charset="2"/>
+              </a:rPr>
+              <a:t>PaaS Heroku</a:t>
             </a:r>
             <a:endParaRPr lang="cs-CZ" dirty="0">
               <a:sym typeface="Wingdings" panose="05000000000000000000" pitchFamily="2" charset="2"/>
@@ -5050,7 +5129,7 @@
             </a:r>
             <a:r>
               <a:rPr lang="cs-CZ" dirty="0"/>
-              <a:t> </a:t>
+              <a:t> 		</a:t>
             </a:r>
             <a:r>
               <a:rPr lang="cs-CZ" dirty="0" err="1"/>
@@ -5074,11 +5153,11 @@
             </a:pPr>
             <a:r>
               <a:rPr lang="cs-CZ" b="1" dirty="0"/>
-              <a:t>CVS:</a:t>
+              <a:t>VCS:</a:t>
             </a:r>
             <a:r>
               <a:rPr lang="cs-CZ" dirty="0"/>
-              <a:t> </a:t>
+              <a:t> 		</a:t>
             </a:r>
             <a:r>
               <a:rPr lang="cs-CZ" dirty="0" err="1"/>
@@ -5098,7 +5177,7 @@
             </a:r>
             <a:r>
               <a:rPr lang="cs-CZ" dirty="0"/>
-              <a:t> </a:t>
+              <a:t> 		</a:t>
             </a:r>
             <a:r>
               <a:rPr lang="cs-CZ" dirty="0" err="1"/>
@@ -5121,7 +5200,7 @@
             </a:r>
             <a:r>
               <a:rPr lang="cs-CZ" dirty="0"/>
-              <a:t> JWT (JSON Web </a:t>
+              <a:t> 	JWT (JSON Web </a:t>
             </a:r>
             <a:r>
               <a:rPr lang="cs-CZ" dirty="0" err="1"/>
@@ -5196,13 +5275,13 @@
               </a:ext>
             </a:extLst>
           </a:blip>
-          <a:srcRect r="729"/>
+          <a:srcRect r="858"/>
           <a:stretch/>
         </p:blipFill>
         <p:spPr>
           <a:xfrm>
-            <a:off x="-1" y="310043"/>
-            <a:ext cx="12192001" cy="6110350"/>
+            <a:off x="0" y="302038"/>
+            <a:ext cx="12192000" cy="6118355"/>
           </a:xfrm>
           <a:prstGeom prst="rect">
             <a:avLst/>
